--- a/Research_Paper/Presentation.pptx
+++ b/Research_Paper/Presentation.pptx
@@ -6,6 +6,7 @@
   </p:sldMasterIdLst>
   <p:sldIdLst>
     <p:sldId id="256" r:id="rId2"/>
+    <p:sldId id="257" r:id="rId3"/>
   </p:sldIdLst>
   <p:sldSz cx="12192000" cy="6858000"/>
   <p:notesSz cx="6858000" cy="9144000"/>
@@ -110,6 +111,7 @@
         <p14:section name="Untitled Section" id="{821071D7-67A2-4E59-A221-927B161FCB9B}">
           <p14:sldIdLst>
             <p14:sldId id="256"/>
+            <p14:sldId id="257"/>
           </p14:sldIdLst>
         </p14:section>
       </p14:sectionLst>
@@ -270,7 +272,7 @@
           <a:p>
             <a:fld id="{6CD8912F-0E63-4743-8FC2-51EE9458E9B8}" type="datetimeFigureOut">
               <a:rPr lang="en-IN" smtClean="0"/>
-              <a:t>01-09-2025</a:t>
+              <a:t>07-09-2025</a:t>
             </a:fld>
             <a:endParaRPr lang="en-IN"/>
           </a:p>
@@ -470,7 +472,7 @@
           <a:p>
             <a:fld id="{6CD8912F-0E63-4743-8FC2-51EE9458E9B8}" type="datetimeFigureOut">
               <a:rPr lang="en-IN" smtClean="0"/>
-              <a:t>01-09-2025</a:t>
+              <a:t>07-09-2025</a:t>
             </a:fld>
             <a:endParaRPr lang="en-IN"/>
           </a:p>
@@ -680,7 +682,7 @@
           <a:p>
             <a:fld id="{6CD8912F-0E63-4743-8FC2-51EE9458E9B8}" type="datetimeFigureOut">
               <a:rPr lang="en-IN" smtClean="0"/>
-              <a:t>01-09-2025</a:t>
+              <a:t>07-09-2025</a:t>
             </a:fld>
             <a:endParaRPr lang="en-IN"/>
           </a:p>
@@ -880,7 +882,7 @@
           <a:p>
             <a:fld id="{6CD8912F-0E63-4743-8FC2-51EE9458E9B8}" type="datetimeFigureOut">
               <a:rPr lang="en-IN" smtClean="0"/>
-              <a:t>01-09-2025</a:t>
+              <a:t>07-09-2025</a:t>
             </a:fld>
             <a:endParaRPr lang="en-IN"/>
           </a:p>
@@ -1156,7 +1158,7 @@
           <a:p>
             <a:fld id="{6CD8912F-0E63-4743-8FC2-51EE9458E9B8}" type="datetimeFigureOut">
               <a:rPr lang="en-IN" smtClean="0"/>
-              <a:t>01-09-2025</a:t>
+              <a:t>07-09-2025</a:t>
             </a:fld>
             <a:endParaRPr lang="en-IN"/>
           </a:p>
@@ -1424,7 +1426,7 @@
           <a:p>
             <a:fld id="{6CD8912F-0E63-4743-8FC2-51EE9458E9B8}" type="datetimeFigureOut">
               <a:rPr lang="en-IN" smtClean="0"/>
-              <a:t>01-09-2025</a:t>
+              <a:t>07-09-2025</a:t>
             </a:fld>
             <a:endParaRPr lang="en-IN"/>
           </a:p>
@@ -1839,7 +1841,7 @@
           <a:p>
             <a:fld id="{6CD8912F-0E63-4743-8FC2-51EE9458E9B8}" type="datetimeFigureOut">
               <a:rPr lang="en-IN" smtClean="0"/>
-              <a:t>01-09-2025</a:t>
+              <a:t>07-09-2025</a:t>
             </a:fld>
             <a:endParaRPr lang="en-IN"/>
           </a:p>
@@ -1981,7 +1983,7 @@
           <a:p>
             <a:fld id="{6CD8912F-0E63-4743-8FC2-51EE9458E9B8}" type="datetimeFigureOut">
               <a:rPr lang="en-IN" smtClean="0"/>
-              <a:t>01-09-2025</a:t>
+              <a:t>07-09-2025</a:t>
             </a:fld>
             <a:endParaRPr lang="en-IN"/>
           </a:p>
@@ -2094,7 +2096,7 @@
           <a:p>
             <a:fld id="{6CD8912F-0E63-4743-8FC2-51EE9458E9B8}" type="datetimeFigureOut">
               <a:rPr lang="en-IN" smtClean="0"/>
-              <a:t>01-09-2025</a:t>
+              <a:t>07-09-2025</a:t>
             </a:fld>
             <a:endParaRPr lang="en-IN"/>
           </a:p>
@@ -2407,7 +2409,7 @@
           <a:p>
             <a:fld id="{6CD8912F-0E63-4743-8FC2-51EE9458E9B8}" type="datetimeFigureOut">
               <a:rPr lang="en-IN" smtClean="0"/>
-              <a:t>01-09-2025</a:t>
+              <a:t>07-09-2025</a:t>
             </a:fld>
             <a:endParaRPr lang="en-IN"/>
           </a:p>
@@ -2696,7 +2698,7 @@
           <a:p>
             <a:fld id="{6CD8912F-0E63-4743-8FC2-51EE9458E9B8}" type="datetimeFigureOut">
               <a:rPr lang="en-IN" smtClean="0"/>
-              <a:t>01-09-2025</a:t>
+              <a:t>07-09-2025</a:t>
             </a:fld>
             <a:endParaRPr lang="en-IN"/>
           </a:p>
@@ -2939,7 +2941,7 @@
           <a:p>
             <a:fld id="{6CD8912F-0E63-4743-8FC2-51EE9458E9B8}" type="datetimeFigureOut">
               <a:rPr lang="en-IN" smtClean="0"/>
-              <a:t>01-09-2025</a:t>
+              <a:t>07-09-2025</a:t>
             </a:fld>
             <a:endParaRPr lang="en-IN"/>
           </a:p>
@@ -3356,42 +3358,6 @@
           <a:chExt cx="0" cy="0"/>
         </a:xfrm>
       </p:grpSpPr>
-      <p:sp>
-        <p:nvSpPr>
-          <p:cNvPr id="4" name="TextBox 3">
-            <a:extLst>
-              <a:ext uri="{FF2B5EF4-FFF2-40B4-BE49-F238E27FC236}">
-                <a16:creationId xmlns:a16="http://schemas.microsoft.com/office/drawing/2014/main" id="{102FE4A8-7BEA-0581-4D68-92342839CFFA}"/>
-              </a:ext>
-            </a:extLst>
-          </p:cNvPr>
-          <p:cNvSpPr txBox="1"/>
-          <p:nvPr/>
-        </p:nvSpPr>
-        <p:spPr>
-          <a:xfrm>
-            <a:off x="2998341" y="339047"/>
-            <a:ext cx="6195317" cy="1015663"/>
-          </a:xfrm>
-          <a:prstGeom prst="rect">
-            <a:avLst/>
-          </a:prstGeom>
-          <a:noFill/>
-        </p:spPr>
-        <p:txBody>
-          <a:bodyPr wrap="square" rtlCol="0">
-            <a:spAutoFit/>
-          </a:bodyPr>
-          <a:lstStyle/>
-          <a:p>
-            <a:pPr algn="ctr"/>
-            <a:r>
-              <a:rPr lang="en-IN" sz="6000" dirty="0"/>
-              <a:t>TRAINING PIPELINE</a:t>
-            </a:r>
-          </a:p>
-        </p:txBody>
-      </p:sp>
       <p:grpSp>
         <p:nvGrpSpPr>
           <p:cNvPr id="26" name="Group 25">
@@ -3822,10 +3788,10 @@
       </p:cxnSp>
       <p:sp>
         <p:nvSpPr>
-          <p:cNvPr id="30" name="TextBox 29">
-            <a:extLst>
-              <a:ext uri="{FF2B5EF4-FFF2-40B4-BE49-F238E27FC236}">
-                <a16:creationId xmlns:a16="http://schemas.microsoft.com/office/drawing/2014/main" id="{AC80E249-2E7C-B2F0-B63A-F68D5735F99A}"/>
+          <p:cNvPr id="2" name="TextBox 1">
+            <a:extLst>
+              <a:ext uri="{FF2B5EF4-FFF2-40B4-BE49-F238E27FC236}">
+                <a16:creationId xmlns:a16="http://schemas.microsoft.com/office/drawing/2014/main" id="{D54D0BDB-369D-79FA-660D-F558B9C729E8}"/>
               </a:ext>
             </a:extLst>
           </p:cNvPr>
@@ -3849,7 +3815,194 @@
           <a:lstStyle/>
           <a:p>
             <a:pPr algn="ctr"/>
-            <a:endParaRPr lang="en-IN" sz="1600" b="1" dirty="0"/>
+            <a:r>
+              <a:rPr lang="en-IN" sz="1600" b="1" dirty="0"/>
+              <a:t>Splitting into X and y</a:t>
+            </a:r>
+          </a:p>
+        </p:txBody>
+      </p:sp>
+      <p:pic>
+        <p:nvPicPr>
+          <p:cNvPr id="5" name="Picture 4">
+            <a:extLst>
+              <a:ext uri="{FF2B5EF4-FFF2-40B4-BE49-F238E27FC236}">
+                <a16:creationId xmlns:a16="http://schemas.microsoft.com/office/drawing/2014/main" id="{1FEB1782-68B1-9A98-A847-9632F6AD640E}"/>
+              </a:ext>
+            </a:extLst>
+          </p:cNvPr>
+          <p:cNvPicPr>
+            <a:picLocks noChangeAspect="1"/>
+          </p:cNvPicPr>
+          <p:nvPr/>
+        </p:nvPicPr>
+        <p:blipFill>
+          <a:blip r:embed="rId6"/>
+          <a:stretch>
+            <a:fillRect/>
+          </a:stretch>
+        </p:blipFill>
+        <p:spPr>
+          <a:xfrm>
+            <a:off x="9813713" y="1972672"/>
+            <a:ext cx="1106546" cy="1061747"/>
+          </a:xfrm>
+          <a:prstGeom prst="rect">
+            <a:avLst/>
+          </a:prstGeom>
+        </p:spPr>
+      </p:pic>
+      <p:cxnSp>
+        <p:nvCxnSpPr>
+          <p:cNvPr id="6" name="Straight Arrow Connector 5">
+            <a:extLst>
+              <a:ext uri="{FF2B5EF4-FFF2-40B4-BE49-F238E27FC236}">
+                <a16:creationId xmlns:a16="http://schemas.microsoft.com/office/drawing/2014/main" id="{CEE87B7D-1045-FEB1-5F1D-29F86DC8DC63}"/>
+              </a:ext>
+            </a:extLst>
+          </p:cNvPr>
+          <p:cNvCxnSpPr>
+            <a:cxnSpLocks/>
+          </p:cNvCxnSpPr>
+          <p:nvPr/>
+        </p:nvCxnSpPr>
+        <p:spPr>
+          <a:xfrm>
+            <a:off x="8721913" y="2494784"/>
+            <a:ext cx="1091800" cy="0"/>
+          </a:xfrm>
+          <a:prstGeom prst="straightConnector1">
+            <a:avLst/>
+          </a:prstGeom>
+          <a:ln>
+            <a:tailEnd type="triangle"/>
+          </a:ln>
+        </p:spPr>
+        <p:style>
+          <a:lnRef idx="1">
+            <a:schemeClr val="accent1"/>
+          </a:lnRef>
+          <a:fillRef idx="0">
+            <a:schemeClr val="accent1"/>
+          </a:fillRef>
+          <a:effectRef idx="0">
+            <a:schemeClr val="accent1"/>
+          </a:effectRef>
+          <a:fontRef idx="minor">
+            <a:schemeClr val="tx1"/>
+          </a:fontRef>
+        </p:style>
+      </p:cxnSp>
+      <p:sp>
+        <p:nvSpPr>
+          <p:cNvPr id="7" name="TextBox 6">
+            <a:extLst>
+              <a:ext uri="{FF2B5EF4-FFF2-40B4-BE49-F238E27FC236}">
+                <a16:creationId xmlns:a16="http://schemas.microsoft.com/office/drawing/2014/main" id="{83EEC8CD-FD4D-BE4C-4DF3-EB5474A79AF4}"/>
+              </a:ext>
+            </a:extLst>
+          </p:cNvPr>
+          <p:cNvSpPr txBox="1"/>
+          <p:nvPr/>
+        </p:nvSpPr>
+        <p:spPr>
+          <a:xfrm>
+            <a:off x="9374262" y="3041650"/>
+            <a:ext cx="1985447" cy="338554"/>
+          </a:xfrm>
+          <a:prstGeom prst="rect">
+            <a:avLst/>
+          </a:prstGeom>
+          <a:noFill/>
+        </p:spPr>
+        <p:txBody>
+          <a:bodyPr wrap="square" rtlCol="0">
+            <a:spAutoFit/>
+          </a:bodyPr>
+          <a:lstStyle/>
+          <a:p>
+            <a:pPr algn="ctr"/>
+            <a:r>
+              <a:rPr lang="en-IN" sz="1600" b="1" dirty="0"/>
+              <a:t>Data Transformation</a:t>
+            </a:r>
+          </a:p>
+        </p:txBody>
+      </p:sp>
+      <p:cxnSp>
+        <p:nvCxnSpPr>
+          <p:cNvPr id="9" name="Straight Arrow Connector 8">
+            <a:extLst>
+              <a:ext uri="{FF2B5EF4-FFF2-40B4-BE49-F238E27FC236}">
+                <a16:creationId xmlns:a16="http://schemas.microsoft.com/office/drawing/2014/main" id="{BFF96B15-16EE-E1B5-0AB1-6A545AC22720}"/>
+              </a:ext>
+            </a:extLst>
+          </p:cNvPr>
+          <p:cNvCxnSpPr>
+            <a:cxnSpLocks/>
+          </p:cNvCxnSpPr>
+          <p:nvPr/>
+        </p:nvCxnSpPr>
+        <p:spPr>
+          <a:xfrm>
+            <a:off x="10482980" y="3380204"/>
+            <a:ext cx="0" cy="1095082"/>
+          </a:xfrm>
+          <a:prstGeom prst="straightConnector1">
+            <a:avLst/>
+          </a:prstGeom>
+          <a:ln>
+            <a:tailEnd type="triangle"/>
+          </a:ln>
+        </p:spPr>
+        <p:style>
+          <a:lnRef idx="1">
+            <a:schemeClr val="accent1"/>
+          </a:lnRef>
+          <a:fillRef idx="0">
+            <a:schemeClr val="accent1"/>
+          </a:fillRef>
+          <a:effectRef idx="0">
+            <a:schemeClr val="accent1"/>
+          </a:effectRef>
+          <a:fontRef idx="minor">
+            <a:schemeClr val="tx1"/>
+          </a:fontRef>
+        </p:style>
+      </p:cxnSp>
+      <p:sp>
+        <p:nvSpPr>
+          <p:cNvPr id="14" name="TextBox 13">
+            <a:extLst>
+              <a:ext uri="{FF2B5EF4-FFF2-40B4-BE49-F238E27FC236}">
+                <a16:creationId xmlns:a16="http://schemas.microsoft.com/office/drawing/2014/main" id="{D14D1C93-DE70-2767-8A2B-ABB53DFEBC96}"/>
+              </a:ext>
+            </a:extLst>
+          </p:cNvPr>
+          <p:cNvSpPr txBox="1"/>
+          <p:nvPr/>
+        </p:nvSpPr>
+        <p:spPr>
+          <a:xfrm>
+            <a:off x="8721913" y="3757792"/>
+            <a:ext cx="1985447" cy="338554"/>
+          </a:xfrm>
+          <a:prstGeom prst="rect">
+            <a:avLst/>
+          </a:prstGeom>
+          <a:noFill/>
+        </p:spPr>
+        <p:txBody>
+          <a:bodyPr wrap="square" rtlCol="0">
+            <a:spAutoFit/>
+          </a:bodyPr>
+          <a:lstStyle/>
+          <a:p>
+            <a:pPr algn="ctr"/>
+            <a:r>
+              <a:rPr lang="en-IN" sz="1600" b="1" dirty="0"/>
+              <a:t>Train Test Split</a:t>
+            </a:r>
           </a:p>
         </p:txBody>
       </p:sp>
@@ -3857,6 +4010,821 @@
     <p:extLst>
       <p:ext uri="{BB962C8B-B14F-4D97-AF65-F5344CB8AC3E}">
         <p14:creationId xmlns:p14="http://schemas.microsoft.com/office/powerpoint/2010/main" val="1713357613"/>
+      </p:ext>
+    </p:extLst>
+  </p:cSld>
+  <p:clrMapOvr>
+    <a:masterClrMapping/>
+  </p:clrMapOvr>
+</p:sld>
+</file>
+
+<file path=ppt/slides/slide2.xml><?xml version="1.0" encoding="utf-8"?>
+<p:sld xmlns:a="http://schemas.openxmlformats.org/drawingml/2006/main" xmlns:r="http://schemas.openxmlformats.org/officeDocument/2006/relationships" xmlns:p="http://schemas.openxmlformats.org/presentationml/2006/main">
+  <p:cSld>
+    <p:spTree>
+      <p:nvGrpSpPr>
+        <p:cNvPr id="1" name=""/>
+        <p:cNvGrpSpPr/>
+        <p:nvPr/>
+      </p:nvGrpSpPr>
+      <p:grpSpPr>
+        <a:xfrm>
+          <a:off x="0" y="0"/>
+          <a:ext cx="0" cy="0"/>
+          <a:chOff x="0" y="0"/>
+          <a:chExt cx="0" cy="0"/>
+        </a:xfrm>
+      </p:grpSpPr>
+      <p:grpSp>
+        <p:nvGrpSpPr>
+          <p:cNvPr id="52" name="Group 51">
+            <a:extLst>
+              <a:ext uri="{FF2B5EF4-FFF2-40B4-BE49-F238E27FC236}">
+                <a16:creationId xmlns:a16="http://schemas.microsoft.com/office/drawing/2014/main" id="{534EB6D3-2FC2-F72A-9EC2-1EF145415751}"/>
+              </a:ext>
+            </a:extLst>
+          </p:cNvPr>
+          <p:cNvGrpSpPr/>
+          <p:nvPr/>
+        </p:nvGrpSpPr>
+        <p:grpSpPr>
+          <a:xfrm>
+            <a:off x="291517" y="361951"/>
+            <a:ext cx="5086233" cy="2095628"/>
+            <a:chOff x="291517" y="361951"/>
+            <a:chExt cx="5086233" cy="2095628"/>
+          </a:xfrm>
+        </p:grpSpPr>
+        <p:pic>
+          <p:nvPicPr>
+            <p:cNvPr id="3" name="Picture 2">
+              <a:extLst>
+                <a:ext uri="{FF2B5EF4-FFF2-40B4-BE49-F238E27FC236}">
+                  <a16:creationId xmlns:a16="http://schemas.microsoft.com/office/drawing/2014/main" id="{849B1929-494A-88EB-3C82-51FD3421D119}"/>
+                </a:ext>
+              </a:extLst>
+            </p:cNvPr>
+            <p:cNvPicPr>
+              <a:picLocks noChangeAspect="1"/>
+            </p:cNvPicPr>
+            <p:nvPr/>
+          </p:nvPicPr>
+          <p:blipFill>
+            <a:blip r:embed="rId2"/>
+            <a:stretch>
+              <a:fillRect/>
+            </a:stretch>
+          </p:blipFill>
+          <p:spPr>
+            <a:xfrm>
+              <a:off x="356871" y="361951"/>
+              <a:ext cx="558800" cy="558800"/>
+            </a:xfrm>
+            <a:prstGeom prst="rect">
+              <a:avLst/>
+            </a:prstGeom>
+          </p:spPr>
+        </p:pic>
+        <p:pic>
+          <p:nvPicPr>
+            <p:cNvPr id="4" name="Picture 3">
+              <a:extLst>
+                <a:ext uri="{FF2B5EF4-FFF2-40B4-BE49-F238E27FC236}">
+                  <a16:creationId xmlns:a16="http://schemas.microsoft.com/office/drawing/2014/main" id="{B9970ACB-0167-32EB-D5E0-EDFE65901567}"/>
+                </a:ext>
+              </a:extLst>
+            </p:cNvPr>
+            <p:cNvPicPr>
+              <a:picLocks noChangeAspect="1"/>
+            </p:cNvPicPr>
+            <p:nvPr/>
+          </p:nvPicPr>
+          <p:blipFill>
+            <a:blip r:embed="rId3"/>
+            <a:stretch>
+              <a:fillRect/>
+            </a:stretch>
+          </p:blipFill>
+          <p:spPr>
+            <a:xfrm>
+              <a:off x="2113752" y="361951"/>
+              <a:ext cx="558800" cy="558800"/>
+            </a:xfrm>
+            <a:prstGeom prst="rect">
+              <a:avLst/>
+            </a:prstGeom>
+          </p:spPr>
+        </p:pic>
+        <p:cxnSp>
+          <p:nvCxnSpPr>
+            <p:cNvPr id="8" name="Straight Arrow Connector 7">
+              <a:extLst>
+                <a:ext uri="{FF2B5EF4-FFF2-40B4-BE49-F238E27FC236}">
+                  <a16:creationId xmlns:a16="http://schemas.microsoft.com/office/drawing/2014/main" id="{CB3B21D5-2D5A-5011-AE38-6A1078A0F3D0}"/>
+                </a:ext>
+              </a:extLst>
+            </p:cNvPr>
+            <p:cNvCxnSpPr>
+              <a:cxnSpLocks/>
+            </p:cNvCxnSpPr>
+            <p:nvPr/>
+          </p:nvCxnSpPr>
+          <p:spPr>
+            <a:xfrm>
+              <a:off x="973692" y="641351"/>
+              <a:ext cx="1091800" cy="0"/>
+            </a:xfrm>
+            <a:prstGeom prst="straightConnector1">
+              <a:avLst/>
+            </a:prstGeom>
+            <a:ln>
+              <a:tailEnd type="triangle"/>
+            </a:ln>
+          </p:spPr>
+          <p:style>
+            <a:lnRef idx="1">
+              <a:schemeClr val="accent1"/>
+            </a:lnRef>
+            <a:fillRef idx="0">
+              <a:schemeClr val="accent1"/>
+            </a:fillRef>
+            <a:effectRef idx="0">
+              <a:schemeClr val="accent1"/>
+            </a:effectRef>
+            <a:fontRef idx="minor">
+              <a:schemeClr val="tx1"/>
+            </a:fontRef>
+          </p:style>
+        </p:cxnSp>
+        <p:sp>
+          <p:nvSpPr>
+            <p:cNvPr id="9" name="TextBox 8">
+              <a:extLst>
+                <a:ext uri="{FF2B5EF4-FFF2-40B4-BE49-F238E27FC236}">
+                  <a16:creationId xmlns:a16="http://schemas.microsoft.com/office/drawing/2014/main" id="{58C19B6E-A548-4592-AE68-3D585D0BB0CD}"/>
+                </a:ext>
+              </a:extLst>
+            </p:cNvPr>
+            <p:cNvSpPr txBox="1"/>
+            <p:nvPr/>
+          </p:nvSpPr>
+          <p:spPr>
+            <a:xfrm>
+              <a:off x="925432" y="361955"/>
+              <a:ext cx="1188320" cy="276999"/>
+            </a:xfrm>
+            <a:prstGeom prst="rect">
+              <a:avLst/>
+            </a:prstGeom>
+            <a:noFill/>
+          </p:spPr>
+          <p:txBody>
+            <a:bodyPr wrap="square" rtlCol="0">
+              <a:spAutoFit/>
+            </a:bodyPr>
+            <a:lstStyle/>
+            <a:p>
+              <a:r>
+                <a:rPr lang="en-IN" sz="1200" b="1" dirty="0"/>
+                <a:t>Data Ingestion</a:t>
+              </a:r>
+            </a:p>
+          </p:txBody>
+        </p:sp>
+        <p:pic>
+          <p:nvPicPr>
+            <p:cNvPr id="12" name="Picture 11">
+              <a:extLst>
+                <a:ext uri="{FF2B5EF4-FFF2-40B4-BE49-F238E27FC236}">
+                  <a16:creationId xmlns:a16="http://schemas.microsoft.com/office/drawing/2014/main" id="{2BBCF80D-61DA-36EA-E9F8-9196CBC75606}"/>
+                </a:ext>
+              </a:extLst>
+            </p:cNvPr>
+            <p:cNvPicPr>
+              <a:picLocks noChangeAspect="1"/>
+            </p:cNvPicPr>
+            <p:nvPr/>
+          </p:nvPicPr>
+          <p:blipFill>
+            <a:blip r:embed="rId4"/>
+            <a:stretch>
+              <a:fillRect/>
+            </a:stretch>
+          </p:blipFill>
+          <p:spPr>
+            <a:xfrm>
+              <a:off x="3920634" y="361951"/>
+              <a:ext cx="558800" cy="558800"/>
+            </a:xfrm>
+            <a:prstGeom prst="rect">
+              <a:avLst/>
+            </a:prstGeom>
+          </p:spPr>
+        </p:pic>
+        <p:cxnSp>
+          <p:nvCxnSpPr>
+            <p:cNvPr id="13" name="Straight Arrow Connector 12">
+              <a:extLst>
+                <a:ext uri="{FF2B5EF4-FFF2-40B4-BE49-F238E27FC236}">
+                  <a16:creationId xmlns:a16="http://schemas.microsoft.com/office/drawing/2014/main" id="{8B869990-2A99-CFD0-F4CC-0019ECDAE8D0}"/>
+                </a:ext>
+              </a:extLst>
+            </p:cNvPr>
+            <p:cNvCxnSpPr>
+              <a:cxnSpLocks/>
+            </p:cNvCxnSpPr>
+            <p:nvPr/>
+          </p:nvCxnSpPr>
+          <p:spPr>
+            <a:xfrm>
+              <a:off x="2672552" y="641351"/>
+              <a:ext cx="1188320" cy="0"/>
+            </a:xfrm>
+            <a:prstGeom prst="straightConnector1">
+              <a:avLst/>
+            </a:prstGeom>
+            <a:ln>
+              <a:tailEnd type="triangle"/>
+            </a:ln>
+          </p:spPr>
+          <p:style>
+            <a:lnRef idx="1">
+              <a:schemeClr val="accent1"/>
+            </a:lnRef>
+            <a:fillRef idx="0">
+              <a:schemeClr val="accent1"/>
+            </a:fillRef>
+            <a:effectRef idx="0">
+              <a:schemeClr val="accent1"/>
+            </a:effectRef>
+            <a:fontRef idx="minor">
+              <a:schemeClr val="tx1"/>
+            </a:fontRef>
+          </p:style>
+        </p:cxnSp>
+        <p:sp>
+          <p:nvSpPr>
+            <p:cNvPr id="14" name="TextBox 13">
+              <a:extLst>
+                <a:ext uri="{FF2B5EF4-FFF2-40B4-BE49-F238E27FC236}">
+                  <a16:creationId xmlns:a16="http://schemas.microsoft.com/office/drawing/2014/main" id="{4F06E669-BC96-7789-35A4-BECF9E99527C}"/>
+                </a:ext>
+              </a:extLst>
+            </p:cNvPr>
+            <p:cNvSpPr txBox="1"/>
+            <p:nvPr/>
+          </p:nvSpPr>
+          <p:spPr>
+            <a:xfrm>
+              <a:off x="2668083" y="392738"/>
+              <a:ext cx="1128558" cy="276999"/>
+            </a:xfrm>
+            <a:prstGeom prst="rect">
+              <a:avLst/>
+            </a:prstGeom>
+            <a:noFill/>
+          </p:spPr>
+          <p:txBody>
+            <a:bodyPr wrap="square" rtlCol="0">
+              <a:spAutoFit/>
+            </a:bodyPr>
+            <a:lstStyle/>
+            <a:p>
+              <a:r>
+                <a:rPr lang="en-IN" sz="1200" b="1" dirty="0"/>
+                <a:t>Pre-Processing</a:t>
+              </a:r>
+            </a:p>
+          </p:txBody>
+        </p:sp>
+        <p:pic>
+          <p:nvPicPr>
+            <p:cNvPr id="18" name="Picture 17">
+              <a:extLst>
+                <a:ext uri="{FF2B5EF4-FFF2-40B4-BE49-F238E27FC236}">
+                  <a16:creationId xmlns:a16="http://schemas.microsoft.com/office/drawing/2014/main" id="{5EA8F979-05A4-04D1-687E-634F80AA0793}"/>
+                </a:ext>
+              </a:extLst>
+            </p:cNvPr>
+            <p:cNvPicPr>
+              <a:picLocks noChangeAspect="1"/>
+            </p:cNvPicPr>
+            <p:nvPr/>
+          </p:nvPicPr>
+          <p:blipFill>
+            <a:blip r:embed="rId5"/>
+            <a:stretch>
+              <a:fillRect/>
+            </a:stretch>
+          </p:blipFill>
+          <p:spPr>
+            <a:xfrm>
+              <a:off x="3920634" y="1642254"/>
+              <a:ext cx="558800" cy="558800"/>
+            </a:xfrm>
+            <a:prstGeom prst="rect">
+              <a:avLst/>
+            </a:prstGeom>
+          </p:spPr>
+        </p:pic>
+        <p:cxnSp>
+          <p:nvCxnSpPr>
+            <p:cNvPr id="19" name="Straight Arrow Connector 18">
+              <a:extLst>
+                <a:ext uri="{FF2B5EF4-FFF2-40B4-BE49-F238E27FC236}">
+                  <a16:creationId xmlns:a16="http://schemas.microsoft.com/office/drawing/2014/main" id="{2B5D45C3-47F7-6949-F4F1-45B8743CA1ED}"/>
+                </a:ext>
+              </a:extLst>
+            </p:cNvPr>
+            <p:cNvCxnSpPr>
+              <a:cxnSpLocks/>
+            </p:cNvCxnSpPr>
+            <p:nvPr/>
+          </p:nvCxnSpPr>
+          <p:spPr>
+            <a:xfrm>
+              <a:off x="4200034" y="1011854"/>
+              <a:ext cx="0" cy="522678"/>
+            </a:xfrm>
+            <a:prstGeom prst="straightConnector1">
+              <a:avLst/>
+            </a:prstGeom>
+            <a:ln>
+              <a:tailEnd type="triangle"/>
+            </a:ln>
+          </p:spPr>
+          <p:style>
+            <a:lnRef idx="1">
+              <a:schemeClr val="accent1"/>
+            </a:lnRef>
+            <a:fillRef idx="0">
+              <a:schemeClr val="accent1"/>
+            </a:fillRef>
+            <a:effectRef idx="0">
+              <a:schemeClr val="accent1"/>
+            </a:effectRef>
+            <a:fontRef idx="minor">
+              <a:schemeClr val="tx1"/>
+            </a:fontRef>
+          </p:style>
+        </p:cxnSp>
+        <p:sp>
+          <p:nvSpPr>
+            <p:cNvPr id="20" name="TextBox 19">
+              <a:extLst>
+                <a:ext uri="{FF2B5EF4-FFF2-40B4-BE49-F238E27FC236}">
+                  <a16:creationId xmlns:a16="http://schemas.microsoft.com/office/drawing/2014/main" id="{811EF8DC-1457-48D5-011F-50A9024F4C5B}"/>
+                </a:ext>
+              </a:extLst>
+            </p:cNvPr>
+            <p:cNvSpPr txBox="1"/>
+            <p:nvPr/>
+          </p:nvSpPr>
+          <p:spPr>
+            <a:xfrm>
+              <a:off x="4249192" y="1196723"/>
+              <a:ext cx="1128558" cy="246221"/>
+            </a:xfrm>
+            <a:prstGeom prst="rect">
+              <a:avLst/>
+            </a:prstGeom>
+            <a:noFill/>
+          </p:spPr>
+          <p:txBody>
+            <a:bodyPr wrap="square" rtlCol="0">
+              <a:spAutoFit/>
+            </a:bodyPr>
+            <a:lstStyle/>
+            <a:p>
+              <a:r>
+                <a:rPr lang="en-IN" sz="1000" b="1" dirty="0"/>
+                <a:t>Model Training</a:t>
+              </a:r>
+            </a:p>
+          </p:txBody>
+        </p:sp>
+        <p:sp>
+          <p:nvSpPr>
+            <p:cNvPr id="21" name="TextBox 20">
+              <a:extLst>
+                <a:ext uri="{FF2B5EF4-FFF2-40B4-BE49-F238E27FC236}">
+                  <a16:creationId xmlns:a16="http://schemas.microsoft.com/office/drawing/2014/main" id="{27B01AB8-CF85-3696-595E-E83122B9A599}"/>
+                </a:ext>
+              </a:extLst>
+            </p:cNvPr>
+            <p:cNvSpPr txBox="1"/>
+            <p:nvPr/>
+          </p:nvSpPr>
+          <p:spPr>
+            <a:xfrm>
+              <a:off x="4200034" y="1011854"/>
+              <a:ext cx="1049475" cy="215444"/>
+            </a:xfrm>
+            <a:prstGeom prst="rect">
+              <a:avLst/>
+            </a:prstGeom>
+            <a:noFill/>
+          </p:spPr>
+          <p:txBody>
+            <a:bodyPr wrap="square" rtlCol="0">
+              <a:spAutoFit/>
+            </a:bodyPr>
+            <a:lstStyle/>
+            <a:p>
+              <a:r>
+                <a:rPr lang="en-IN" sz="800" b="1" dirty="0"/>
+                <a:t>Experiment Tracking</a:t>
+              </a:r>
+            </a:p>
+          </p:txBody>
+        </p:sp>
+        <p:pic>
+          <p:nvPicPr>
+            <p:cNvPr id="27" name="Picture 26">
+              <a:extLst>
+                <a:ext uri="{FF2B5EF4-FFF2-40B4-BE49-F238E27FC236}">
+                  <a16:creationId xmlns:a16="http://schemas.microsoft.com/office/drawing/2014/main" id="{3FE7E5B6-DCA7-8C9B-D4A7-6BB72B06B982}"/>
+                </a:ext>
+              </a:extLst>
+            </p:cNvPr>
+            <p:cNvPicPr>
+              <a:picLocks noChangeAspect="1"/>
+            </p:cNvPicPr>
+            <p:nvPr/>
+          </p:nvPicPr>
+          <p:blipFill>
+            <a:blip r:embed="rId6"/>
+            <a:stretch>
+              <a:fillRect/>
+            </a:stretch>
+          </p:blipFill>
+          <p:spPr>
+            <a:xfrm>
+              <a:off x="2113752" y="1632728"/>
+              <a:ext cx="558800" cy="558800"/>
+            </a:xfrm>
+            <a:prstGeom prst="rect">
+              <a:avLst/>
+            </a:prstGeom>
+          </p:spPr>
+        </p:pic>
+        <p:cxnSp>
+          <p:nvCxnSpPr>
+            <p:cNvPr id="28" name="Straight Arrow Connector 27">
+              <a:extLst>
+                <a:ext uri="{FF2B5EF4-FFF2-40B4-BE49-F238E27FC236}">
+                  <a16:creationId xmlns:a16="http://schemas.microsoft.com/office/drawing/2014/main" id="{258800A9-828D-7320-D575-49E5E5E02DE9}"/>
+                </a:ext>
+              </a:extLst>
+            </p:cNvPr>
+            <p:cNvCxnSpPr>
+              <a:cxnSpLocks/>
+              <a:endCxn id="27" idx="3"/>
+            </p:cNvCxnSpPr>
+            <p:nvPr/>
+          </p:nvCxnSpPr>
+          <p:spPr>
+            <a:xfrm flipH="1">
+              <a:off x="2672552" y="1912128"/>
+              <a:ext cx="1153954" cy="0"/>
+            </a:xfrm>
+            <a:prstGeom prst="straightConnector1">
+              <a:avLst/>
+            </a:prstGeom>
+            <a:ln>
+              <a:tailEnd type="triangle"/>
+            </a:ln>
+          </p:spPr>
+          <p:style>
+            <a:lnRef idx="1">
+              <a:schemeClr val="accent1"/>
+            </a:lnRef>
+            <a:fillRef idx="0">
+              <a:schemeClr val="accent1"/>
+            </a:fillRef>
+            <a:effectRef idx="0">
+              <a:schemeClr val="accent1"/>
+            </a:effectRef>
+            <a:fontRef idx="minor">
+              <a:schemeClr val="tx1"/>
+            </a:fontRef>
+          </p:style>
+        </p:cxnSp>
+        <p:sp>
+          <p:nvSpPr>
+            <p:cNvPr id="29" name="TextBox 28">
+              <a:extLst>
+                <a:ext uri="{FF2B5EF4-FFF2-40B4-BE49-F238E27FC236}">
+                  <a16:creationId xmlns:a16="http://schemas.microsoft.com/office/drawing/2014/main" id="{9829FE75-8007-B2AC-4BC5-719E413626C9}"/>
+                </a:ext>
+              </a:extLst>
+            </p:cNvPr>
+            <p:cNvSpPr txBox="1"/>
+            <p:nvPr/>
+          </p:nvSpPr>
+          <p:spPr>
+            <a:xfrm>
+              <a:off x="2667073" y="1682497"/>
+              <a:ext cx="1128558" cy="246221"/>
+            </a:xfrm>
+            <a:prstGeom prst="rect">
+              <a:avLst/>
+            </a:prstGeom>
+            <a:noFill/>
+          </p:spPr>
+          <p:txBody>
+            <a:bodyPr wrap="square" rtlCol="0">
+              <a:spAutoFit/>
+            </a:bodyPr>
+            <a:lstStyle/>
+            <a:p>
+              <a:pPr algn="ctr"/>
+              <a:r>
+                <a:rPr lang="en-IN" sz="1000" b="1" dirty="0"/>
+                <a:t>Automation</a:t>
+              </a:r>
+            </a:p>
+          </p:txBody>
+        </p:sp>
+        <p:sp>
+          <p:nvSpPr>
+            <p:cNvPr id="30" name="TextBox 29">
+              <a:extLst>
+                <a:ext uri="{FF2B5EF4-FFF2-40B4-BE49-F238E27FC236}">
+                  <a16:creationId xmlns:a16="http://schemas.microsoft.com/office/drawing/2014/main" id="{F1525C1B-BDC9-A9E7-4DF7-BC325D7D0C8D}"/>
+                </a:ext>
+              </a:extLst>
+            </p:cNvPr>
+            <p:cNvSpPr txBox="1"/>
+            <p:nvPr/>
+          </p:nvSpPr>
+          <p:spPr>
+            <a:xfrm>
+              <a:off x="2113752" y="2118186"/>
+              <a:ext cx="558800" cy="246221"/>
+            </a:xfrm>
+            <a:prstGeom prst="rect">
+              <a:avLst/>
+            </a:prstGeom>
+            <a:noFill/>
+          </p:spPr>
+          <p:txBody>
+            <a:bodyPr wrap="square" rtlCol="0">
+              <a:spAutoFit/>
+            </a:bodyPr>
+            <a:lstStyle/>
+            <a:p>
+              <a:pPr algn="ctr"/>
+              <a:r>
+                <a:rPr lang="en-IN" sz="1000" b="1" dirty="0"/>
+                <a:t>CI / CD</a:t>
+              </a:r>
+            </a:p>
+          </p:txBody>
+        </p:sp>
+        <p:cxnSp>
+          <p:nvCxnSpPr>
+            <p:cNvPr id="31" name="Straight Arrow Connector 30">
+              <a:extLst>
+                <a:ext uri="{FF2B5EF4-FFF2-40B4-BE49-F238E27FC236}">
+                  <a16:creationId xmlns:a16="http://schemas.microsoft.com/office/drawing/2014/main" id="{3161EDCA-6E94-1EEE-280B-C44330AD5137}"/>
+                </a:ext>
+              </a:extLst>
+            </p:cNvPr>
+            <p:cNvCxnSpPr>
+              <a:cxnSpLocks/>
+              <a:endCxn id="35" idx="3"/>
+            </p:cNvCxnSpPr>
+            <p:nvPr/>
+          </p:nvCxnSpPr>
+          <p:spPr>
+            <a:xfrm flipH="1" flipV="1">
+              <a:off x="915672" y="1905525"/>
+              <a:ext cx="1149820" cy="6603"/>
+            </a:xfrm>
+            <a:prstGeom prst="straightConnector1">
+              <a:avLst/>
+            </a:prstGeom>
+            <a:ln>
+              <a:tailEnd type="triangle"/>
+            </a:ln>
+          </p:spPr>
+          <p:style>
+            <a:lnRef idx="1">
+              <a:schemeClr val="accent1"/>
+            </a:lnRef>
+            <a:fillRef idx="0">
+              <a:schemeClr val="accent1"/>
+            </a:fillRef>
+            <a:effectRef idx="0">
+              <a:schemeClr val="accent1"/>
+            </a:effectRef>
+            <a:fontRef idx="minor">
+              <a:schemeClr val="tx1"/>
+            </a:fontRef>
+          </p:style>
+        </p:cxnSp>
+        <p:pic>
+          <p:nvPicPr>
+            <p:cNvPr id="35" name="Picture 34">
+              <a:extLst>
+                <a:ext uri="{FF2B5EF4-FFF2-40B4-BE49-F238E27FC236}">
+                  <a16:creationId xmlns:a16="http://schemas.microsoft.com/office/drawing/2014/main" id="{B7FB0DDF-97B1-DECB-26A2-5F2AE395494A}"/>
+                </a:ext>
+              </a:extLst>
+            </p:cNvPr>
+            <p:cNvPicPr>
+              <a:picLocks noChangeAspect="1"/>
+            </p:cNvPicPr>
+            <p:nvPr/>
+          </p:nvPicPr>
+          <p:blipFill>
+            <a:blip r:embed="rId7"/>
+            <a:stretch>
+              <a:fillRect/>
+            </a:stretch>
+          </p:blipFill>
+          <p:spPr>
+            <a:xfrm>
+              <a:off x="356871" y="1626124"/>
+              <a:ext cx="558801" cy="558801"/>
+            </a:xfrm>
+            <a:prstGeom prst="rect">
+              <a:avLst/>
+            </a:prstGeom>
+          </p:spPr>
+        </p:pic>
+        <p:sp>
+          <p:nvSpPr>
+            <p:cNvPr id="36" name="TextBox 35">
+              <a:extLst>
+                <a:ext uri="{FF2B5EF4-FFF2-40B4-BE49-F238E27FC236}">
+                  <a16:creationId xmlns:a16="http://schemas.microsoft.com/office/drawing/2014/main" id="{EA4B6BFD-DCB6-62A6-AA9A-790CC4B550D7}"/>
+                </a:ext>
+              </a:extLst>
+            </p:cNvPr>
+            <p:cNvSpPr txBox="1"/>
+            <p:nvPr/>
+          </p:nvSpPr>
+          <p:spPr>
+            <a:xfrm>
+              <a:off x="1113771" y="1665907"/>
+              <a:ext cx="811642" cy="246221"/>
+            </a:xfrm>
+            <a:prstGeom prst="rect">
+              <a:avLst/>
+            </a:prstGeom>
+            <a:noFill/>
+          </p:spPr>
+          <p:txBody>
+            <a:bodyPr wrap="square" rtlCol="0">
+              <a:spAutoFit/>
+            </a:bodyPr>
+            <a:lstStyle/>
+            <a:p>
+              <a:pPr algn="ctr"/>
+              <a:r>
+                <a:rPr lang="en-IN" sz="1000" b="1" dirty="0"/>
+                <a:t>Monitoring</a:t>
+              </a:r>
+            </a:p>
+          </p:txBody>
+        </p:sp>
+        <p:sp>
+          <p:nvSpPr>
+            <p:cNvPr id="37" name="TextBox 36">
+              <a:extLst>
+                <a:ext uri="{FF2B5EF4-FFF2-40B4-BE49-F238E27FC236}">
+                  <a16:creationId xmlns:a16="http://schemas.microsoft.com/office/drawing/2014/main" id="{21434A90-1780-57BB-D9FF-0957EA69DA3A}"/>
+                </a:ext>
+              </a:extLst>
+            </p:cNvPr>
+            <p:cNvSpPr txBox="1"/>
+            <p:nvPr/>
+          </p:nvSpPr>
+          <p:spPr>
+            <a:xfrm>
+              <a:off x="291517" y="2184925"/>
+              <a:ext cx="624154" cy="246221"/>
+            </a:xfrm>
+            <a:prstGeom prst="rect">
+              <a:avLst/>
+            </a:prstGeom>
+            <a:noFill/>
+          </p:spPr>
+          <p:txBody>
+            <a:bodyPr wrap="square" rtlCol="0">
+              <a:spAutoFit/>
+            </a:bodyPr>
+            <a:lstStyle/>
+            <a:p>
+              <a:pPr algn="ctr"/>
+              <a:r>
+                <a:rPr lang="en-IN" sz="1000" b="1" dirty="0"/>
+                <a:t>Grafana</a:t>
+              </a:r>
+            </a:p>
+          </p:txBody>
+        </p:sp>
+        <p:sp>
+          <p:nvSpPr>
+            <p:cNvPr id="38" name="TextBox 37">
+              <a:extLst>
+                <a:ext uri="{FF2B5EF4-FFF2-40B4-BE49-F238E27FC236}">
+                  <a16:creationId xmlns:a16="http://schemas.microsoft.com/office/drawing/2014/main" id="{D3427D8A-1241-5018-6F2E-C999CBA35A13}"/>
+                </a:ext>
+              </a:extLst>
+            </p:cNvPr>
+            <p:cNvSpPr txBox="1"/>
+            <p:nvPr/>
+          </p:nvSpPr>
+          <p:spPr>
+            <a:xfrm>
+              <a:off x="3881929" y="2211358"/>
+              <a:ext cx="636210" cy="246221"/>
+            </a:xfrm>
+            <a:prstGeom prst="rect">
+              <a:avLst/>
+            </a:prstGeom>
+            <a:noFill/>
+          </p:spPr>
+          <p:txBody>
+            <a:bodyPr wrap="square" rtlCol="0">
+              <a:spAutoFit/>
+            </a:bodyPr>
+            <a:lstStyle/>
+            <a:p>
+              <a:pPr algn="ctr"/>
+              <a:r>
+                <a:rPr lang="en-IN" sz="1000" b="1" dirty="0"/>
+                <a:t>MLFlow</a:t>
+              </a:r>
+            </a:p>
+          </p:txBody>
+        </p:sp>
+        <p:sp>
+          <p:nvSpPr>
+            <p:cNvPr id="51" name="Rectangle 50">
+              <a:extLst>
+                <a:ext uri="{FF2B5EF4-FFF2-40B4-BE49-F238E27FC236}">
+                  <a16:creationId xmlns:a16="http://schemas.microsoft.com/office/drawing/2014/main" id="{FEC33183-2382-5576-9B85-5D47C34913E4}"/>
+                </a:ext>
+              </a:extLst>
+            </p:cNvPr>
+            <p:cNvSpPr/>
+            <p:nvPr/>
+          </p:nvSpPr>
+          <p:spPr>
+            <a:xfrm>
+              <a:off x="1107278" y="1017297"/>
+              <a:ext cx="2571748" cy="441392"/>
+            </a:xfrm>
+            <a:prstGeom prst="rect">
+              <a:avLst/>
+            </a:prstGeom>
+            <a:noFill/>
+          </p:spPr>
+          <p:style>
+            <a:lnRef idx="2">
+              <a:schemeClr val="accent1">
+                <a:shade val="15000"/>
+              </a:schemeClr>
+            </a:lnRef>
+            <a:fillRef idx="1">
+              <a:schemeClr val="accent1"/>
+            </a:fillRef>
+            <a:effectRef idx="0">
+              <a:schemeClr val="accent1"/>
+            </a:effectRef>
+            <a:fontRef idx="minor">
+              <a:schemeClr val="lt1"/>
+            </a:fontRef>
+          </p:style>
+          <p:txBody>
+            <a:bodyPr rtlCol="0" anchor="ctr"/>
+            <a:lstStyle/>
+            <a:p>
+              <a:pPr algn="ctr"/>
+              <a:r>
+                <a:rPr lang="en-IN" dirty="0">
+                  <a:solidFill>
+                    <a:schemeClr val="accent1">
+                      <a:lumMod val="60000"/>
+                      <a:lumOff val="40000"/>
+                    </a:schemeClr>
+                  </a:solidFill>
+                </a:rPr>
+                <a:t>System Architecture</a:t>
+              </a:r>
+            </a:p>
+          </p:txBody>
+        </p:sp>
+      </p:grpSp>
+    </p:spTree>
+    <p:extLst>
+      <p:ext uri="{BB962C8B-B14F-4D97-AF65-F5344CB8AC3E}">
+        <p14:creationId xmlns:p14="http://schemas.microsoft.com/office/powerpoint/2010/main" val="2115170888"/>
       </p:ext>
     </p:extLst>
   </p:cSld>
